--- a/DesktopBasic6WrapUp/CourseWrapUp.pptx
+++ b/DesktopBasic6WrapUp/CourseWrapUp.pptx
@@ -18,14 +18,14 @@
   <p:notesSz cx="6858000" cy="9144000"/>
   <p:embeddedFontLst>
     <p:embeddedFont>
-      <p:font typeface="Proxima Nova" panose="020B0604020202020204" charset="0"/>
+      <p:font typeface="Open Sans" panose="020B0604020202020204" charset="0"/>
       <p:regular r:id="rId8"/>
       <p:bold r:id="rId9"/>
       <p:italic r:id="rId10"/>
       <p:boldItalic r:id="rId11"/>
     </p:embeddedFont>
     <p:embeddedFont>
-      <p:font typeface="Open Sans" panose="020B0604020202020204" charset="0"/>
+      <p:font typeface="Proxima Nova" panose="020B0604020202020204" charset="0"/>
       <p:regular r:id="rId12"/>
       <p:bold r:id="rId13"/>
       <p:italic r:id="rId14"/>
@@ -245,7 +245,7 @@
   </p:defaultTextStyle>
   <p:extLst>
     <p:ext uri="{EFAFB233-063F-42B5-8137-9DF3F51BA10A}">
-      <p15:sldGuideLst xmlns:p15="http://schemas.microsoft.com/office/powerpoint/2012/main" xmlns=""/>
+      <p15:sldGuideLst xmlns="" xmlns:p15="http://schemas.microsoft.com/office/powerpoint/2012/main"/>
     </p:ext>
   </p:extLst>
 </p:presentation>
@@ -5366,7 +5366,11 @@
             </a:pPr>
             <a:r>
               <a:rPr lang="en" dirty="0" smtClean="0"/>
-              <a:t>FME 2016.0 Training</a:t>
+              <a:t>FME </a:t>
+            </a:r>
+            <a:r>
+              <a:rPr lang="en" dirty="0" smtClean="0"/>
+              <a:t>2017</a:t>
             </a:r>
             <a:endParaRPr lang="en" dirty="0"/>
           </a:p>
@@ -6212,9 +6216,9 @@
       </p:sp>
       <p:pic>
         <p:nvPicPr>
-          <p:cNvPr id="2" name="Picture 1"/>
+          <p:cNvPr id="1026" name="Picture 2" descr="C:\Users\imark\Documents\Training\MaterialsAndData\FMETraining\DesktopBasic6WrapUp\Images\Img6.07.ThankYouText.png"/>
           <p:cNvPicPr>
-            <a:picLocks noChangeAspect="1"/>
+            <a:picLocks noChangeAspect="1" noChangeArrowheads="1"/>
           </p:cNvPicPr>
           <p:nvPr/>
         </p:nvPicPr>
@@ -6226,18 +6230,29 @@
               </a:ext>
             </a:extLst>
           </a:blip>
+          <a:srcRect/>
           <a:stretch>
             <a:fillRect/>
           </a:stretch>
         </p:blipFill>
-        <p:spPr>
+        <p:spPr bwMode="auto">
           <a:xfrm>
-            <a:off x="3805881" y="987187"/>
-            <a:ext cx="3529104" cy="3826798"/>
+            <a:off x="3192168" y="871442"/>
+            <a:ext cx="2759664" cy="4092783"/>
           </a:xfrm>
           <a:prstGeom prst="rect">
             <a:avLst/>
           </a:prstGeom>
+          <a:noFill/>
+          <a:extLst>
+            <a:ext uri="{909E8E84-426E-40DD-AFC4-6F175D3DCCD1}">
+              <a14:hiddenFill xmlns:a14="http://schemas.microsoft.com/office/drawing/2010/main">
+                <a:solidFill>
+                  <a:srgbClr val="FFFFFF"/>
+                </a:solidFill>
+              </a14:hiddenFill>
+            </a:ext>
+          </a:extLst>
         </p:spPr>
       </p:pic>
     </p:spTree>
